--- a/apresentação aps.pptx
+++ b/apresentação aps.pptx
@@ -5,10 +5,12 @@
     <p:sldMasterId id="2147483840" r:id="rId1"/>
   </p:sldMasterIdLst>
   <p:sldIdLst>
-    <p:sldId id="256" r:id="rId2"/>
-    <p:sldId id="257" r:id="rId3"/>
-    <p:sldId id="259" r:id="rId4"/>
+    <p:sldId id="261" r:id="rId2"/>
+    <p:sldId id="256" r:id="rId3"/>
+    <p:sldId id="257" r:id="rId4"/>
     <p:sldId id="258" r:id="rId5"/>
+    <p:sldId id="259" r:id="rId6"/>
+    <p:sldId id="260" r:id="rId7"/>
   </p:sldIdLst>
   <p:sldSz cx="12192000" cy="6858000"/>
   <p:notesSz cx="6858000" cy="9144000"/>
@@ -107,6 +109,11 @@
       </a:defRPr>
     </a:lvl9pPr>
   </p:defaultTextStyle>
+  <p:extLst>
+    <p:ext uri="{EFAFB233-063F-42B5-8137-9DF3F51BA10A}">
+      <p15:sldGuideLst xmlns:p15="http://schemas.microsoft.com/office/powerpoint/2012/main"/>
+    </p:ext>
+  </p:extLst>
 </p:presentation>
 </file>
 
@@ -5961,66 +5968,62 @@
             <p:ph type="ctrTitle"/>
           </p:nvPr>
         </p:nvSpPr>
+        <p:spPr/>
+        <p:txBody>
+          <a:bodyPr/>
+          <a:lstStyle/>
+          <a:p>
+            <a:r>
+              <a:rPr lang="pt-BR" dirty="0" smtClean="0"/>
+              <a:t>Análise e Projetos de Sistemas</a:t>
+            </a:r>
+            <a:endParaRPr lang="pt-BR" dirty="0"/>
+          </a:p>
+        </p:txBody>
+      </p:sp>
+      <p:sp>
+        <p:nvSpPr>
+          <p:cNvPr id="3" name="Subtítulo 2"/>
+          <p:cNvSpPr>
+            <a:spLocks noGrp="1"/>
+          </p:cNvSpPr>
+          <p:nvPr>
+            <p:ph type="subTitle" idx="1"/>
+          </p:nvPr>
+        </p:nvSpPr>
         <p:spPr>
           <a:xfrm>
-            <a:off x="1370693" y="0"/>
-            <a:ext cx="9440034" cy="1828801"/>
+            <a:off x="1370693" y="3930848"/>
+            <a:ext cx="9440034" cy="1049867"/>
           </a:xfrm>
         </p:spPr>
         <p:txBody>
-          <a:bodyPr/>
+          <a:bodyPr>
+            <a:normAutofit fontScale="85000" lnSpcReduction="10000"/>
+          </a:bodyPr>
           <a:lstStyle/>
           <a:p>
             <a:r>
               <a:rPr lang="pt-BR" dirty="0" smtClean="0"/>
-              <a:t>Fluxograma do sistema</a:t>
-            </a:r>
-            <a:br>
+              <a:t>Felipe Paduano</a:t>
+            </a:r>
+          </a:p>
+          <a:p>
+            <a:r>
               <a:rPr lang="pt-BR" dirty="0" smtClean="0"/>
-            </a:br>
-            <a:endParaRPr lang="pt-BR" dirty="0"/>
-          </a:p>
-        </p:txBody>
-      </p:sp>
-      <p:pic>
-        <p:nvPicPr>
-          <p:cNvPr id="4" name="Imagem 3"/>
-          <p:cNvPicPr>
-            <a:picLocks noChangeAspect="1"/>
-          </p:cNvPicPr>
-          <p:nvPr/>
-        </p:nvPicPr>
-        <p:blipFill>
-          <a:blip r:embed="rId2"/>
-          <a:stretch>
-            <a:fillRect/>
-          </a:stretch>
-        </p:blipFill>
-        <p:spPr>
-          <a:xfrm>
-            <a:off x="617010" y="1026589"/>
-            <a:ext cx="10947400" cy="5143500"/>
-          </a:xfrm>
-          <a:prstGeom prst="rect">
-            <a:avLst/>
-          </a:prstGeom>
-        </p:spPr>
-      </p:pic>
-      <p:sp>
-        <p:nvSpPr>
-          <p:cNvPr id="3" name="Subtítulo 2"/>
-          <p:cNvSpPr>
-            <a:spLocks noGrp="1"/>
-          </p:cNvSpPr>
-          <p:nvPr>
-            <p:ph type="subTitle" idx="1"/>
-          </p:nvPr>
-        </p:nvSpPr>
-        <p:spPr/>
-        <p:txBody>
-          <a:bodyPr/>
-          <a:lstStyle/>
-          <a:p>
+              <a:t>Guilherme </a:t>
+            </a:r>
+            <a:r>
+              <a:rPr lang="pt-BR" dirty="0" err="1" smtClean="0"/>
+              <a:t>Teider</a:t>
+            </a:r>
+            <a:endParaRPr lang="pt-BR" dirty="0" smtClean="0"/>
+          </a:p>
+          <a:p>
+            <a:r>
+              <a:rPr lang="pt-BR" dirty="0" smtClean="0"/>
+              <a:t>Thomaz Sato</a:t>
+            </a:r>
             <a:endParaRPr lang="pt-BR" dirty="0"/>
           </a:p>
         </p:txBody>
@@ -6028,7 +6031,7 @@
     </p:spTree>
     <p:extLst>
       <p:ext uri="{BB962C8B-B14F-4D97-AF65-F5344CB8AC3E}">
-        <p14:creationId xmlns:p14="http://schemas.microsoft.com/office/powerpoint/2010/main" val="2023309714"/>
+        <p14:creationId xmlns:p14="http://schemas.microsoft.com/office/powerpoint/2010/main" val="4096753296"/>
       </p:ext>
     </p:extLst>
   </p:cSld>
@@ -6064,7 +6067,7 @@
       </p:grpSpPr>
       <p:sp>
         <p:nvSpPr>
-          <p:cNvPr id="3" name="Título 2"/>
+          <p:cNvPr id="2" name="Título 1"/>
           <p:cNvSpPr>
             <a:spLocks noGrp="1"/>
           </p:cNvSpPr>
@@ -6074,34 +6077,28 @@
         </p:nvSpPr>
         <p:spPr>
           <a:xfrm>
-            <a:off x="1370693" y="1054371"/>
+            <a:off x="1370693" y="176646"/>
             <a:ext cx="9440034" cy="1828801"/>
           </a:xfrm>
         </p:spPr>
         <p:txBody>
-          <a:bodyPr>
-            <a:normAutofit fontScale="90000"/>
-          </a:bodyPr>
+          <a:bodyPr/>
           <a:lstStyle/>
           <a:p>
             <a:r>
               <a:rPr lang="pt-BR" dirty="0" smtClean="0"/>
-              <a:t>Fluxograma da compra do produto</a:t>
+              <a:t>Fluxograma do sistema</a:t>
             </a:r>
             <a:br>
               <a:rPr lang="pt-BR" dirty="0" smtClean="0"/>
             </a:br>
-            <a:r>
-              <a:rPr lang="pt-BR" dirty="0" smtClean="0"/>
-              <a:t> </a:t>
-            </a:r>
             <a:endParaRPr lang="pt-BR" dirty="0"/>
           </a:p>
         </p:txBody>
       </p:sp>
       <p:pic>
         <p:nvPicPr>
-          <p:cNvPr id="5" name="Imagem 4"/>
+          <p:cNvPr id="4" name="Imagem 3"/>
           <p:cNvPicPr>
             <a:picLocks noChangeAspect="1"/>
           </p:cNvPicPr>
@@ -6115,37 +6112,18 @@
         </p:blipFill>
         <p:spPr>
           <a:xfrm>
-            <a:off x="915552" y="3121561"/>
-            <a:ext cx="10411939" cy="953555"/>
+            <a:off x="617010" y="1296753"/>
+            <a:ext cx="10947400" cy="5143500"/>
           </a:xfrm>
           <a:prstGeom prst="rect">
             <a:avLst/>
           </a:prstGeom>
         </p:spPr>
       </p:pic>
-      <p:sp>
-        <p:nvSpPr>
-          <p:cNvPr id="4" name="Subtítulo 3"/>
-          <p:cNvSpPr>
-            <a:spLocks noGrp="1"/>
-          </p:cNvSpPr>
-          <p:nvPr>
-            <p:ph type="subTitle" idx="1"/>
-          </p:nvPr>
-        </p:nvSpPr>
-        <p:spPr/>
-        <p:txBody>
-          <a:bodyPr/>
-          <a:lstStyle/>
-          <a:p>
-            <a:endParaRPr lang="pt-BR" dirty="0"/>
-          </a:p>
-        </p:txBody>
-      </p:sp>
     </p:spTree>
     <p:extLst>
       <p:ext uri="{BB962C8B-B14F-4D97-AF65-F5344CB8AC3E}">
-        <p14:creationId xmlns:p14="http://schemas.microsoft.com/office/powerpoint/2010/main" val="1985051663"/>
+        <p14:creationId xmlns:p14="http://schemas.microsoft.com/office/powerpoint/2010/main" val="2023309714"/>
       </p:ext>
     </p:extLst>
   </p:cSld>
@@ -6181,7 +6159,7 @@
       </p:grpSpPr>
       <p:sp>
         <p:nvSpPr>
-          <p:cNvPr id="2" name="Título 1"/>
+          <p:cNvPr id="3" name="Título 2"/>
           <p:cNvSpPr>
             <a:spLocks noGrp="1"/>
           </p:cNvSpPr>
@@ -6191,65 +6169,49 @@
         </p:nvSpPr>
         <p:spPr>
           <a:xfrm>
-            <a:off x="1370693" y="-825500"/>
+            <a:off x="1370693" y="1054371"/>
             <a:ext cx="9440034" cy="1828801"/>
           </a:xfrm>
         </p:spPr>
         <p:txBody>
-          <a:bodyPr/>
+          <a:bodyPr>
+            <a:normAutofit fontScale="90000"/>
+          </a:bodyPr>
           <a:lstStyle/>
           <a:p>
             <a:r>
               <a:rPr lang="pt-BR" dirty="0" smtClean="0"/>
-              <a:t>Diagrama Use Case</a:t>
+              <a:t>Fluxograma da compra do produto</a:t>
+            </a:r>
+            <a:br>
+              <a:rPr lang="pt-BR" dirty="0" smtClean="0"/>
+            </a:br>
+            <a:r>
+              <a:rPr lang="pt-BR" dirty="0" smtClean="0"/>
+              <a:t> </a:t>
             </a:r>
             <a:endParaRPr lang="pt-BR" dirty="0"/>
-          </a:p>
-        </p:txBody>
-      </p:sp>
-      <p:sp>
-        <p:nvSpPr>
-          <p:cNvPr id="3" name="Subtítulo 2"/>
-          <p:cNvSpPr>
-            <a:spLocks noGrp="1"/>
-          </p:cNvSpPr>
-          <p:nvPr>
-            <p:ph type="subTitle" idx="1"/>
-          </p:nvPr>
-        </p:nvSpPr>
-        <p:spPr/>
-        <p:txBody>
-          <a:bodyPr/>
-          <a:lstStyle/>
-          <a:p>
-            <a:endParaRPr lang="pt-BR"/>
           </a:p>
         </p:txBody>
       </p:sp>
       <p:pic>
         <p:nvPicPr>
-          <p:cNvPr id="7" name="Imagem 6"/>
+          <p:cNvPr id="5" name="Imagem 4"/>
           <p:cNvPicPr>
             <a:picLocks noChangeAspect="1"/>
           </p:cNvPicPr>
           <p:nvPr/>
         </p:nvPicPr>
         <p:blipFill>
-          <a:blip r:embed="rId2">
-            <a:extLst>
-              <a:ext uri="{28A0092B-C50C-407E-A947-70E740481C1C}">
-                <a14:useLocalDpi xmlns:a14="http://schemas.microsoft.com/office/drawing/2010/main" val="0"/>
-              </a:ext>
-            </a:extLst>
-          </a:blip>
+          <a:blip r:embed="rId2"/>
           <a:stretch>
             <a:fillRect/>
           </a:stretch>
         </p:blipFill>
         <p:spPr>
           <a:xfrm>
-            <a:off x="2035175" y="1003301"/>
-            <a:ext cx="8324850" cy="5210175"/>
+            <a:off x="440351" y="3152733"/>
+            <a:ext cx="11526012" cy="1055585"/>
           </a:xfrm>
           <a:prstGeom prst="rect">
             <a:avLst/>
@@ -6259,7 +6221,7 @@
     </p:spTree>
     <p:extLst>
       <p:ext uri="{BB962C8B-B14F-4D97-AF65-F5344CB8AC3E}">
-        <p14:creationId xmlns:p14="http://schemas.microsoft.com/office/powerpoint/2010/main" val="1174750620"/>
+        <p14:creationId xmlns:p14="http://schemas.microsoft.com/office/powerpoint/2010/main" val="1985051663"/>
       </p:ext>
     </p:extLst>
   </p:cSld>
@@ -6305,7 +6267,7 @@
         </p:nvSpPr>
         <p:spPr>
           <a:xfrm>
-            <a:off x="1370693" y="140225"/>
+            <a:off x="1370693" y="209284"/>
             <a:ext cx="9440034" cy="1434576"/>
           </a:xfrm>
         </p:spPr>
@@ -6350,29 +6312,262 @@
           </a:prstGeom>
         </p:spPr>
       </p:pic>
-      <p:sp>
-        <p:nvSpPr>
-          <p:cNvPr id="3" name="Subtítulo 2"/>
-          <p:cNvSpPr>
-            <a:spLocks noGrp="1"/>
-          </p:cNvSpPr>
-          <p:nvPr>
-            <p:ph type="subTitle" idx="1"/>
-          </p:nvPr>
-        </p:nvSpPr>
-        <p:spPr/>
-        <p:txBody>
-          <a:bodyPr/>
-          <a:lstStyle/>
-          <a:p>
-            <a:endParaRPr lang="pt-BR" dirty="0"/>
-          </a:p>
-        </p:txBody>
-      </p:sp>
     </p:spTree>
     <p:extLst>
       <p:ext uri="{BB962C8B-B14F-4D97-AF65-F5344CB8AC3E}">
         <p14:creationId xmlns:p14="http://schemas.microsoft.com/office/powerpoint/2010/main" val="3179851794"/>
+      </p:ext>
+    </p:extLst>
+  </p:cSld>
+  <p:clrMapOvr>
+    <a:masterClrMapping/>
+  </p:clrMapOvr>
+  <p:timing>
+    <p:tnLst>
+      <p:par>
+        <p:cTn id="1" dur="indefinite" restart="never" nodeType="tmRoot"/>
+      </p:par>
+    </p:tnLst>
+  </p:timing>
+</p:sld>
+</file>
+
+<file path=ppt/slides/slide5.xml><?xml version="1.0" encoding="utf-8"?>
+<p:sld xmlns:a="http://schemas.openxmlformats.org/drawingml/2006/main" xmlns:r="http://schemas.openxmlformats.org/officeDocument/2006/relationships" xmlns:p="http://schemas.openxmlformats.org/presentationml/2006/main">
+  <p:cSld>
+    <p:spTree>
+      <p:nvGrpSpPr>
+        <p:cNvPr id="1" name=""/>
+        <p:cNvGrpSpPr/>
+        <p:nvPr/>
+      </p:nvGrpSpPr>
+      <p:grpSpPr>
+        <a:xfrm>
+          <a:off x="0" y="0"/>
+          <a:ext cx="0" cy="0"/>
+          <a:chOff x="0" y="0"/>
+          <a:chExt cx="0" cy="0"/>
+        </a:xfrm>
+      </p:grpSpPr>
+      <p:sp>
+        <p:nvSpPr>
+          <p:cNvPr id="2" name="Título 1"/>
+          <p:cNvSpPr>
+            <a:spLocks noGrp="1"/>
+          </p:cNvSpPr>
+          <p:nvPr>
+            <p:ph type="ctrTitle"/>
+          </p:nvPr>
+        </p:nvSpPr>
+        <p:spPr>
+          <a:xfrm>
+            <a:off x="1370693" y="-825500"/>
+            <a:ext cx="9440034" cy="1828801"/>
+          </a:xfrm>
+        </p:spPr>
+        <p:txBody>
+          <a:bodyPr/>
+          <a:lstStyle/>
+          <a:p>
+            <a:r>
+              <a:rPr lang="pt-BR" dirty="0" smtClean="0"/>
+              <a:t>Diagrama Use Case</a:t>
+            </a:r>
+            <a:endParaRPr lang="pt-BR" dirty="0"/>
+          </a:p>
+        </p:txBody>
+      </p:sp>
+      <p:pic>
+        <p:nvPicPr>
+          <p:cNvPr id="7" name="Imagem 6"/>
+          <p:cNvPicPr>
+            <a:picLocks noChangeAspect="1"/>
+          </p:cNvPicPr>
+          <p:nvPr/>
+        </p:nvPicPr>
+        <p:blipFill>
+          <a:blip r:embed="rId2">
+            <a:extLst>
+              <a:ext uri="{28A0092B-C50C-407E-A947-70E740481C1C}">
+                <a14:useLocalDpi xmlns:a14="http://schemas.microsoft.com/office/drawing/2010/main" val="0"/>
+              </a:ext>
+            </a:extLst>
+          </a:blip>
+          <a:stretch>
+            <a:fillRect/>
+          </a:stretch>
+        </p:blipFill>
+        <p:spPr>
+          <a:xfrm>
+            <a:off x="2024784" y="1169556"/>
+            <a:ext cx="8324850" cy="5210175"/>
+          </a:xfrm>
+          <a:prstGeom prst="rect">
+            <a:avLst/>
+          </a:prstGeom>
+        </p:spPr>
+      </p:pic>
+    </p:spTree>
+    <p:extLst>
+      <p:ext uri="{BB962C8B-B14F-4D97-AF65-F5344CB8AC3E}">
+        <p14:creationId xmlns:p14="http://schemas.microsoft.com/office/powerpoint/2010/main" val="1174750620"/>
+      </p:ext>
+    </p:extLst>
+  </p:cSld>
+  <p:clrMapOvr>
+    <a:masterClrMapping/>
+  </p:clrMapOvr>
+  <p:timing>
+    <p:tnLst>
+      <p:par>
+        <p:cTn id="1" dur="indefinite" restart="never" nodeType="tmRoot"/>
+      </p:par>
+    </p:tnLst>
+  </p:timing>
+</p:sld>
+</file>
+
+<file path=ppt/slides/slide6.xml><?xml version="1.0" encoding="utf-8"?>
+<p:sld xmlns:a="http://schemas.openxmlformats.org/drawingml/2006/main" xmlns:r="http://schemas.openxmlformats.org/officeDocument/2006/relationships" xmlns:p="http://schemas.openxmlformats.org/presentationml/2006/main">
+  <p:cSld>
+    <p:spTree>
+      <p:nvGrpSpPr>
+        <p:cNvPr id="1" name=""/>
+        <p:cNvGrpSpPr/>
+        <p:nvPr/>
+      </p:nvGrpSpPr>
+      <p:grpSpPr>
+        <a:xfrm>
+          <a:off x="0" y="0"/>
+          <a:ext cx="0" cy="0"/>
+          <a:chOff x="0" y="0"/>
+          <a:chExt cx="0" cy="0"/>
+        </a:xfrm>
+      </p:grpSpPr>
+      <p:sp>
+        <p:nvSpPr>
+          <p:cNvPr id="2" name="Título 1"/>
+          <p:cNvSpPr>
+            <a:spLocks noGrp="1"/>
+          </p:cNvSpPr>
+          <p:nvPr>
+            <p:ph type="title"/>
+          </p:nvPr>
+        </p:nvSpPr>
+        <p:spPr/>
+        <p:txBody>
+          <a:bodyPr/>
+          <a:lstStyle/>
+          <a:p>
+            <a:r>
+              <a:rPr lang="pt-BR" dirty="0" smtClean="0"/>
+              <a:t>Regras de negócio: Fluxo de compra</a:t>
+            </a:r>
+            <a:endParaRPr lang="pt-BR" dirty="0"/>
+          </a:p>
+        </p:txBody>
+      </p:sp>
+      <p:sp>
+        <p:nvSpPr>
+          <p:cNvPr id="3" name="Espaço Reservado para Conteúdo 2"/>
+          <p:cNvSpPr>
+            <a:spLocks noGrp="1"/>
+          </p:cNvSpPr>
+          <p:nvPr>
+            <p:ph idx="1"/>
+          </p:nvPr>
+        </p:nvSpPr>
+        <p:spPr>
+          <a:xfrm>
+            <a:off x="913795" y="2036618"/>
+            <a:ext cx="10353762" cy="3754582"/>
+          </a:xfrm>
+        </p:spPr>
+        <p:txBody>
+          <a:bodyPr/>
+          <a:lstStyle/>
+          <a:p>
+            <a:r>
+              <a:rPr lang="pt-BR" b="1" dirty="0" smtClean="0"/>
+              <a:t>RN1 - </a:t>
+            </a:r>
+            <a:r>
+              <a:rPr lang="pt-BR" dirty="0" smtClean="0"/>
+              <a:t>Quantidade máxima de produtos na lista de desejo;</a:t>
+            </a:r>
+            <a:endParaRPr lang="pt-BR" b="1" dirty="0" smtClean="0"/>
+          </a:p>
+          <a:p>
+            <a:r>
+              <a:rPr lang="pt-BR" b="1" dirty="0" smtClean="0"/>
+              <a:t>RN2</a:t>
+            </a:r>
+            <a:r>
+              <a:rPr lang="pt-BR" dirty="0" smtClean="0"/>
+              <a:t> </a:t>
+            </a:r>
+            <a:r>
+              <a:rPr lang="pt-BR" b="1" dirty="0" smtClean="0"/>
+              <a:t>-</a:t>
+            </a:r>
+            <a:r>
+              <a:rPr lang="pt-BR" dirty="0" smtClean="0"/>
+              <a:t>  Quantidade máxima de produtos no carrinho: 15;</a:t>
+            </a:r>
+          </a:p>
+          <a:p>
+            <a:r>
+              <a:rPr lang="pt-BR" b="1" dirty="0" smtClean="0"/>
+              <a:t>RN3 -  </a:t>
+            </a:r>
+            <a:r>
+              <a:rPr lang="pt-BR" dirty="0" smtClean="0"/>
+              <a:t>O usuário precisa estar </a:t>
+            </a:r>
+            <a:r>
+              <a:rPr lang="pt-BR" dirty="0" err="1" smtClean="0"/>
+              <a:t>logado</a:t>
+            </a:r>
+            <a:r>
+              <a:rPr lang="pt-BR" dirty="0" smtClean="0"/>
+              <a:t> para finalizar uma compra;</a:t>
+            </a:r>
+          </a:p>
+          <a:p>
+            <a:r>
+              <a:rPr lang="pt-BR" b="1" dirty="0" smtClean="0"/>
+              <a:t>RN4 </a:t>
+            </a:r>
+            <a:r>
+              <a:rPr lang="pt-BR" b="1" dirty="0"/>
+              <a:t>-</a:t>
+            </a:r>
+            <a:r>
+              <a:rPr lang="pt-BR" b="1" dirty="0" smtClean="0"/>
+              <a:t> </a:t>
+            </a:r>
+            <a:r>
+              <a:rPr lang="pt-BR" dirty="0" smtClean="0"/>
+              <a:t>O usuário não pode enviar como presente um jogo que a pessoa já possua;</a:t>
+            </a:r>
+          </a:p>
+          <a:p>
+            <a:r>
+              <a:rPr lang="pt-BR" b="1" dirty="0" smtClean="0"/>
+              <a:t>RN5 – </a:t>
+            </a:r>
+            <a:r>
+              <a:rPr lang="pt-BR" dirty="0" smtClean="0"/>
+              <a:t>O usuário só poder avaliar um produto caso o possua;</a:t>
+            </a:r>
+            <a:endParaRPr lang="pt-BR" b="1" dirty="0"/>
+          </a:p>
+        </p:txBody>
+      </p:sp>
+    </p:spTree>
+    <p:extLst>
+      <p:ext uri="{BB962C8B-B14F-4D97-AF65-F5344CB8AC3E}">
+        <p14:creationId xmlns:p14="http://schemas.microsoft.com/office/powerpoint/2010/main" val="3518254998"/>
       </p:ext>
     </p:extLst>
   </p:cSld>

--- a/apresentação aps.pptx
+++ b/apresentação aps.pptx
@@ -9,8 +9,9 @@
     <p:sldId id="256" r:id="rId3"/>
     <p:sldId id="257" r:id="rId4"/>
     <p:sldId id="258" r:id="rId5"/>
-    <p:sldId id="259" r:id="rId6"/>
-    <p:sldId id="260" r:id="rId7"/>
+    <p:sldId id="262" r:id="rId6"/>
+    <p:sldId id="259" r:id="rId7"/>
+    <p:sldId id="260" r:id="rId8"/>
   </p:sldIdLst>
   <p:sldSz cx="12192000" cy="6858000"/>
   <p:notesSz cx="6858000" cy="9144000"/>
@@ -6356,6 +6357,131 @@
             <a:spLocks noGrp="1"/>
           </p:cNvSpPr>
           <p:nvPr>
+            <p:ph type="title"/>
+          </p:nvPr>
+        </p:nvSpPr>
+        <p:spPr/>
+        <p:txBody>
+          <a:bodyPr/>
+          <a:lstStyle/>
+          <a:p>
+            <a:r>
+              <a:rPr lang="pt-BR" dirty="0" smtClean="0"/>
+              <a:t>Identificação de Atores</a:t>
+            </a:r>
+            <a:endParaRPr lang="pt-BR" dirty="0"/>
+          </a:p>
+        </p:txBody>
+      </p:sp>
+      <p:sp>
+        <p:nvSpPr>
+          <p:cNvPr id="3" name="Espaço Reservado para Conteúdo 2"/>
+          <p:cNvSpPr>
+            <a:spLocks noGrp="1"/>
+          </p:cNvSpPr>
+          <p:nvPr>
+            <p:ph idx="1"/>
+          </p:nvPr>
+        </p:nvSpPr>
+        <p:spPr>
+          <a:xfrm>
+            <a:off x="913795" y="2158477"/>
+            <a:ext cx="10353762" cy="4058751"/>
+          </a:xfrm>
+        </p:spPr>
+        <p:txBody>
+          <a:bodyPr/>
+          <a:lstStyle/>
+          <a:p>
+            <a:r>
+              <a:rPr lang="pt-BR" b="1" dirty="0">
+                <a:effectLst/>
+              </a:rPr>
+              <a:t>Usuário: </a:t>
+            </a:r>
+            <a:r>
+              <a:rPr lang="pt-BR" dirty="0">
+                <a:effectLst/>
+              </a:rPr>
+              <a:t>Indivíduo que utiliza a aplicação para comprar </a:t>
+            </a:r>
+            <a:r>
+              <a:rPr lang="pt-BR" dirty="0" smtClean="0">
+                <a:effectLst/>
+              </a:rPr>
+              <a:t>os jogos;</a:t>
+            </a:r>
+            <a:endParaRPr lang="pt-BR" dirty="0">
+              <a:effectLst/>
+            </a:endParaRPr>
+          </a:p>
+          <a:p>
+            <a:r>
+              <a:rPr lang="pt-BR" b="1" dirty="0">
+                <a:effectLst/>
+              </a:rPr>
+              <a:t>Administrador:</a:t>
+            </a:r>
+            <a:r>
+              <a:rPr lang="pt-BR" dirty="0">
+                <a:effectLst/>
+              </a:rPr>
+              <a:t> Essa pessoa cuida da parte de desenvolvimento, manutenção e suporte do sistema.</a:t>
+            </a:r>
+          </a:p>
+          <a:p>
+            <a:r>
+              <a:rPr lang="pt-BR" b="1" dirty="0">
+                <a:effectLst/>
+              </a:rPr>
+              <a:t>Fornecedor: </a:t>
+            </a:r>
+            <a:r>
+              <a:rPr lang="pt-BR" dirty="0">
+                <a:effectLst/>
+              </a:rPr>
+              <a:t>Empresas que fornecem os jogos disponibilizados para venda na plataforma</a:t>
+            </a:r>
+          </a:p>
+        </p:txBody>
+      </p:sp>
+    </p:spTree>
+    <p:extLst>
+      <p:ext uri="{BB962C8B-B14F-4D97-AF65-F5344CB8AC3E}">
+        <p14:creationId xmlns:p14="http://schemas.microsoft.com/office/powerpoint/2010/main" val="3698176589"/>
+      </p:ext>
+    </p:extLst>
+  </p:cSld>
+  <p:clrMapOvr>
+    <a:masterClrMapping/>
+  </p:clrMapOvr>
+</p:sld>
+</file>
+
+<file path=ppt/slides/slide6.xml><?xml version="1.0" encoding="utf-8"?>
+<p:sld xmlns:a="http://schemas.openxmlformats.org/drawingml/2006/main" xmlns:r="http://schemas.openxmlformats.org/officeDocument/2006/relationships" xmlns:p="http://schemas.openxmlformats.org/presentationml/2006/main">
+  <p:cSld>
+    <p:spTree>
+      <p:nvGrpSpPr>
+        <p:cNvPr id="1" name=""/>
+        <p:cNvGrpSpPr/>
+        <p:nvPr/>
+      </p:nvGrpSpPr>
+      <p:grpSpPr>
+        <a:xfrm>
+          <a:off x="0" y="0"/>
+          <a:ext cx="0" cy="0"/>
+          <a:chOff x="0" y="0"/>
+          <a:chExt cx="0" cy="0"/>
+        </a:xfrm>
+      </p:grpSpPr>
+      <p:sp>
+        <p:nvSpPr>
+          <p:cNvPr id="2" name="Título 1"/>
+          <p:cNvSpPr>
+            <a:spLocks noGrp="1"/>
+          </p:cNvSpPr>
+          <p:nvPr>
             <p:ph type="ctrTitle"/>
           </p:nvPr>
         </p:nvSpPr>
@@ -6427,7 +6553,7 @@
 </p:sld>
 </file>
 
-<file path=ppt/slides/slide6.xml><?xml version="1.0" encoding="utf-8"?>
+<file path=ppt/slides/slide7.xml><?xml version="1.0" encoding="utf-8"?>
 <p:sld xmlns:a="http://schemas.openxmlformats.org/drawingml/2006/main" xmlns:r="http://schemas.openxmlformats.org/officeDocument/2006/relationships" xmlns:p="http://schemas.openxmlformats.org/presentationml/2006/main">
   <p:cSld>
     <p:spTree>
@@ -6489,7 +6615,7 @@
           <a:p>
             <a:r>
               <a:rPr lang="pt-BR" b="1" dirty="0" smtClean="0"/>
-              <a:t>RN1 - </a:t>
+              <a:t>RN01 - </a:t>
             </a:r>
             <a:r>
               <a:rPr lang="pt-BR" dirty="0" smtClean="0"/>
@@ -6500,7 +6626,7 @@
           <a:p>
             <a:r>
               <a:rPr lang="pt-BR" b="1" dirty="0" smtClean="0"/>
-              <a:t>RN2</a:t>
+              <a:t>RN02</a:t>
             </a:r>
             <a:r>
               <a:rPr lang="pt-BR" dirty="0" smtClean="0"/>
@@ -6518,7 +6644,7 @@
           <a:p>
             <a:r>
               <a:rPr lang="pt-BR" b="1" dirty="0" smtClean="0"/>
-              <a:t>RN3 -  </a:t>
+              <a:t>RN03 -  </a:t>
             </a:r>
             <a:r>
               <a:rPr lang="pt-BR" dirty="0" smtClean="0"/>
@@ -6536,7 +6662,7 @@
           <a:p>
             <a:r>
               <a:rPr lang="pt-BR" b="1" dirty="0" smtClean="0"/>
-              <a:t>RN4 </a:t>
+              <a:t>RN04 </a:t>
             </a:r>
             <a:r>
               <a:rPr lang="pt-BR" b="1" dirty="0"/>
@@ -6554,11 +6680,11 @@
           <a:p>
             <a:r>
               <a:rPr lang="pt-BR" b="1" dirty="0" smtClean="0"/>
-              <a:t>RN5 – </a:t>
+              <a:t>RN05 – </a:t>
             </a:r>
             <a:r>
               <a:rPr lang="pt-BR" dirty="0" smtClean="0"/>
-              <a:t>O usuário só poder avaliar um produto caso o possua;</a:t>
+              <a:t>O usuário só poder avaliar um produto caso o possua.</a:t>
             </a:r>
             <a:endParaRPr lang="pt-BR" b="1" dirty="0"/>
           </a:p>
